--- a/Powerpoints/Project Week_Pursuit of Happiness_v1.0.pptx
+++ b/Powerpoints/Project Week_Pursuit of Happiness_v1.0.pptx
@@ -180,6 +180,84 @@
 
 <file path=ppt/changesInfos/changesInfo1.xml><?xml version="1.0" encoding="utf-8"?>
 <pc:chgInfo xmlns:a="http://schemas.openxmlformats.org/drawingml/2006/main" xmlns:r="http://schemas.openxmlformats.org/officeDocument/2006/relationships" xmlns:ac="http://schemas.microsoft.com/office/drawing/2013/main/command" xmlns:pc="http://schemas.microsoft.com/office/powerpoint/2013/main/command">
+  <pc:docChgLst>
+    <pc:chgData name="Shojaie, Sheri" userId="47fee82b-f055-4c7f-9882-34505c0b1ac8" providerId="ADAL" clId="{A4298E4D-473E-4331-88F3-3995EF1A1931}"/>
+    <pc:docChg chg="undo modSld">
+      <pc:chgData name="Shojaie, Sheri" userId="47fee82b-f055-4c7f-9882-34505c0b1ac8" providerId="ADAL" clId="{A4298E4D-473E-4331-88F3-3995EF1A1931}" dt="2020-07-07T23:34:51.838" v="23" actId="1076"/>
+      <pc:docMkLst>
+        <pc:docMk/>
+      </pc:docMkLst>
+      <pc:sldChg chg="modSp">
+        <pc:chgData name="Shojaie, Sheri" userId="47fee82b-f055-4c7f-9882-34505c0b1ac8" providerId="ADAL" clId="{A4298E4D-473E-4331-88F3-3995EF1A1931}" dt="2020-07-07T23:34:51.838" v="23" actId="1076"/>
+        <pc:sldMkLst>
+          <pc:docMk/>
+          <pc:sldMk cId="3832578117" sldId="256"/>
+        </pc:sldMkLst>
+        <pc:spChg chg="mod">
+          <ac:chgData name="Shojaie, Sheri" userId="47fee82b-f055-4c7f-9882-34505c0b1ac8" providerId="ADAL" clId="{A4298E4D-473E-4331-88F3-3995EF1A1931}" dt="2020-07-07T22:32:17.692" v="3" actId="20577"/>
+          <ac:spMkLst>
+            <pc:docMk/>
+            <pc:sldMk cId="3832578117" sldId="256"/>
+            <ac:spMk id="3" creationId="{61BBB824-DACB-40C5-A751-976CEABE1D95}"/>
+          </ac:spMkLst>
+        </pc:spChg>
+        <pc:picChg chg="mod">
+          <ac:chgData name="Shojaie, Sheri" userId="47fee82b-f055-4c7f-9882-34505c0b1ac8" providerId="ADAL" clId="{A4298E4D-473E-4331-88F3-3995EF1A1931}" dt="2020-07-07T23:34:49.205" v="22" actId="14100"/>
+          <ac:picMkLst>
+            <pc:docMk/>
+            <pc:sldMk cId="3832578117" sldId="256"/>
+            <ac:picMk id="4" creationId="{0F88A0B3-E69A-4C2E-994D-40DC85BCDB0D}"/>
+          </ac:picMkLst>
+        </pc:picChg>
+        <pc:picChg chg="mod">
+          <ac:chgData name="Shojaie, Sheri" userId="47fee82b-f055-4c7f-9882-34505c0b1ac8" providerId="ADAL" clId="{A4298E4D-473E-4331-88F3-3995EF1A1931}" dt="2020-07-07T23:34:51.838" v="23" actId="1076"/>
+          <ac:picMkLst>
+            <pc:docMk/>
+            <pc:sldMk cId="3832578117" sldId="256"/>
+            <ac:picMk id="5" creationId="{16B1F823-A771-4B61-A398-74C9258533CD}"/>
+          </ac:picMkLst>
+        </pc:picChg>
+      </pc:sldChg>
+      <pc:sldChg chg="addSp modSp modTransition modAnim">
+        <pc:chgData name="Shojaie, Sheri" userId="47fee82b-f055-4c7f-9882-34505c0b1ac8" providerId="ADAL" clId="{A4298E4D-473E-4331-88F3-3995EF1A1931}" dt="2020-07-07T22:54:27.718" v="17"/>
+        <pc:sldMkLst>
+          <pc:docMk/>
+          <pc:sldMk cId="555835259" sldId="300"/>
+        </pc:sldMkLst>
+        <pc:spChg chg="add mod">
+          <ac:chgData name="Shojaie, Sheri" userId="47fee82b-f055-4c7f-9882-34505c0b1ac8" providerId="ADAL" clId="{A4298E4D-473E-4331-88F3-3995EF1A1931}" dt="2020-07-07T22:54:02.592" v="6" actId="207"/>
+          <ac:spMkLst>
+            <pc:docMk/>
+            <pc:sldMk cId="555835259" sldId="300"/>
+            <ac:spMk id="4" creationId="{91BC4E3C-5640-480E-9481-1D4C05024925}"/>
+          </ac:spMkLst>
+        </pc:spChg>
+        <pc:spChg chg="add mod">
+          <ac:chgData name="Shojaie, Sheri" userId="47fee82b-f055-4c7f-9882-34505c0b1ac8" providerId="ADAL" clId="{A4298E4D-473E-4331-88F3-3995EF1A1931}" dt="2020-07-07T22:54:15.083" v="15" actId="1038"/>
+          <ac:spMkLst>
+            <pc:docMk/>
+            <pc:sldMk cId="555835259" sldId="300"/>
+            <ac:spMk id="10" creationId="{F10A2CA9-3FEB-43CE-B793-A3AC400FD94A}"/>
+          </ac:spMkLst>
+        </pc:spChg>
+      </pc:sldChg>
+      <pc:sldChg chg="modSp">
+        <pc:chgData name="Shojaie, Sheri" userId="47fee82b-f055-4c7f-9882-34505c0b1ac8" providerId="ADAL" clId="{A4298E4D-473E-4331-88F3-3995EF1A1931}" dt="2020-07-07T23:34:35.151" v="20" actId="20577"/>
+        <pc:sldMkLst>
+          <pc:docMk/>
+          <pc:sldMk cId="4100701429" sldId="326"/>
+        </pc:sldMkLst>
+        <pc:spChg chg="mod">
+          <ac:chgData name="Shojaie, Sheri" userId="47fee82b-f055-4c7f-9882-34505c0b1ac8" providerId="ADAL" clId="{A4298E4D-473E-4331-88F3-3995EF1A1931}" dt="2020-07-07T23:34:35.151" v="20" actId="20577"/>
+          <ac:spMkLst>
+            <pc:docMk/>
+            <pc:sldMk cId="4100701429" sldId="326"/>
+            <ac:spMk id="2" creationId="{E48F1EE2-0F6B-4EA3-B1FD-7D87E66117E3}"/>
+          </ac:spMkLst>
+        </pc:spChg>
+      </pc:sldChg>
+    </pc:docChg>
+  </pc:docChgLst>
   <pc:docChgLst>
     <pc:chgData name="Shojaie, Sheri" userId="47fee82b-f055-4c7f-9882-34505c0b1ac8" providerId="ADAL" clId="{467A2061-8383-4D2F-A94B-50176709731D}"/>
     <pc:docChg chg="undo custSel mod delSld modSld sldOrd modSection">
@@ -6669,8 +6747,8 @@
         </p:blipFill>
         <p:spPr>
           <a:xfrm>
-            <a:off x="11734523" y="137991"/>
-            <a:ext cx="346641" cy="346641"/>
+            <a:off x="7101051" y="1870749"/>
+            <a:ext cx="502758" cy="502758"/>
           </a:xfrm>
           <a:prstGeom prst="rect">
             <a:avLst/>
@@ -6708,8 +6786,8 @@
         </p:blipFill>
         <p:spPr>
           <a:xfrm>
-            <a:off x="11734523" y="484632"/>
-            <a:ext cx="346641" cy="346641"/>
+            <a:off x="7101051" y="2309275"/>
+            <a:ext cx="502758" cy="502758"/>
           </a:xfrm>
           <a:prstGeom prst="rect">
             <a:avLst/>
@@ -10159,6 +10237,110 @@
           </a:p>
         </p:txBody>
       </p:sp>
+      <p:sp>
+        <p:nvSpPr>
+          <p:cNvPr id="4" name="Rectangle 3">
+            <a:extLst>
+              <a:ext uri="{FF2B5EF4-FFF2-40B4-BE49-F238E27FC236}">
+                <a16:creationId xmlns:a16="http://schemas.microsoft.com/office/drawing/2014/main" id="{91BC4E3C-5640-480E-9481-1D4C05024925}"/>
+              </a:ext>
+            </a:extLst>
+          </p:cNvPr>
+          <p:cNvSpPr/>
+          <p:nvPr/>
+        </p:nvSpPr>
+        <p:spPr>
+          <a:xfrm>
+            <a:off x="2735516" y="1905640"/>
+            <a:ext cx="1029660" cy="4118642"/>
+          </a:xfrm>
+          <a:prstGeom prst="rect">
+            <a:avLst/>
+          </a:prstGeom>
+          <a:noFill/>
+          <a:ln>
+            <a:solidFill>
+              <a:schemeClr val="accent1"/>
+            </a:solidFill>
+          </a:ln>
+        </p:spPr>
+        <p:style>
+          <a:lnRef idx="2">
+            <a:schemeClr val="accent1">
+              <a:shade val="50000"/>
+            </a:schemeClr>
+          </a:lnRef>
+          <a:fillRef idx="1">
+            <a:schemeClr val="accent1"/>
+          </a:fillRef>
+          <a:effectRef idx="0">
+            <a:schemeClr val="accent1"/>
+          </a:effectRef>
+          <a:fontRef idx="minor">
+            <a:schemeClr val="lt1"/>
+          </a:fontRef>
+        </p:style>
+        <p:txBody>
+          <a:bodyPr rtlCol="0" anchor="ctr"/>
+          <a:lstStyle/>
+          <a:p>
+            <a:pPr algn="ctr"/>
+            <a:endParaRPr lang="en-CA"/>
+          </a:p>
+        </p:txBody>
+      </p:sp>
+      <p:sp>
+        <p:nvSpPr>
+          <p:cNvPr id="10" name="Rectangle 9">
+            <a:extLst>
+              <a:ext uri="{FF2B5EF4-FFF2-40B4-BE49-F238E27FC236}">
+                <a16:creationId xmlns:a16="http://schemas.microsoft.com/office/drawing/2014/main" id="{F10A2CA9-3FEB-43CE-B793-A3AC400FD94A}"/>
+              </a:ext>
+            </a:extLst>
+          </p:cNvPr>
+          <p:cNvSpPr/>
+          <p:nvPr/>
+        </p:nvSpPr>
+        <p:spPr>
+          <a:xfrm>
+            <a:off x="6969419" y="4080222"/>
+            <a:ext cx="1029660" cy="1944060"/>
+          </a:xfrm>
+          <a:prstGeom prst="rect">
+            <a:avLst/>
+          </a:prstGeom>
+          <a:noFill/>
+          <a:ln>
+            <a:solidFill>
+              <a:schemeClr val="accent1"/>
+            </a:solidFill>
+          </a:ln>
+        </p:spPr>
+        <p:style>
+          <a:lnRef idx="2">
+            <a:schemeClr val="accent1">
+              <a:shade val="50000"/>
+            </a:schemeClr>
+          </a:lnRef>
+          <a:fillRef idx="1">
+            <a:schemeClr val="accent1"/>
+          </a:fillRef>
+          <a:effectRef idx="0">
+            <a:schemeClr val="accent1"/>
+          </a:effectRef>
+          <a:fontRef idx="minor">
+            <a:schemeClr val="lt1"/>
+          </a:fontRef>
+        </p:style>
+        <p:txBody>
+          <a:bodyPr rtlCol="0" anchor="ctr"/>
+          <a:lstStyle/>
+          <a:p>
+            <a:pPr algn="ctr"/>
+            <a:endParaRPr lang="en-CA"/>
+          </a:p>
+        </p:txBody>
+      </p:sp>
     </p:spTree>
     <p:extLst>
       <p:ext uri="{BB962C8B-B14F-4D97-AF65-F5344CB8AC3E}">
@@ -10169,6 +10351,112 @@
   <p:clrMapOvr>
     <a:masterClrMapping/>
   </p:clrMapOvr>
+  <p:timing>
+    <p:tnLst>
+      <p:par>
+        <p:cTn id="1" dur="indefinite" restart="never" nodeType="tmRoot">
+          <p:childTnLst>
+            <p:seq concurrent="1" nextAc="seek">
+              <p:cTn id="2" dur="indefinite" nodeType="mainSeq">
+                <p:childTnLst>
+                  <p:par>
+                    <p:cTn id="3" fill="hold">
+                      <p:stCondLst>
+                        <p:cond delay="indefinite"/>
+                      </p:stCondLst>
+                      <p:childTnLst>
+                        <p:par>
+                          <p:cTn id="4" fill="hold">
+                            <p:stCondLst>
+                              <p:cond delay="0"/>
+                            </p:stCondLst>
+                            <p:childTnLst>
+                              <p:par>
+                                <p:cTn id="5" presetID="1" presetClass="entr" presetSubtype="0" fill="hold" grpId="0" nodeType="clickEffect">
+                                  <p:stCondLst>
+                                    <p:cond delay="0"/>
+                                  </p:stCondLst>
+                                  <p:childTnLst>
+                                    <p:set>
+                                      <p:cBhvr>
+                                        <p:cTn id="6" dur="1" fill="hold">
+                                          <p:stCondLst>
+                                            <p:cond delay="0"/>
+                                          </p:stCondLst>
+                                        </p:cTn>
+                                        <p:tgtEl>
+                                          <p:spTgt spid="4"/>
+                                        </p:tgtEl>
+                                        <p:attrNameLst>
+                                          <p:attrName>style.visibility</p:attrName>
+                                        </p:attrNameLst>
+                                      </p:cBhvr>
+                                      <p:to>
+                                        <p:strVal val="visible"/>
+                                      </p:to>
+                                    </p:set>
+                                  </p:childTnLst>
+                                </p:cTn>
+                              </p:par>
+                              <p:par>
+                                <p:cTn id="7" presetID="1" presetClass="entr" presetSubtype="0" fill="hold" grpId="0" nodeType="withEffect">
+                                  <p:stCondLst>
+                                    <p:cond delay="0"/>
+                                  </p:stCondLst>
+                                  <p:childTnLst>
+                                    <p:set>
+                                      <p:cBhvr>
+                                        <p:cTn id="8" dur="1" fill="hold">
+                                          <p:stCondLst>
+                                            <p:cond delay="0"/>
+                                          </p:stCondLst>
+                                        </p:cTn>
+                                        <p:tgtEl>
+                                          <p:spTgt spid="10"/>
+                                        </p:tgtEl>
+                                        <p:attrNameLst>
+                                          <p:attrName>style.visibility</p:attrName>
+                                        </p:attrNameLst>
+                                      </p:cBhvr>
+                                      <p:to>
+                                        <p:strVal val="visible"/>
+                                      </p:to>
+                                    </p:set>
+                                  </p:childTnLst>
+                                </p:cTn>
+                              </p:par>
+                            </p:childTnLst>
+                          </p:cTn>
+                        </p:par>
+                      </p:childTnLst>
+                    </p:cTn>
+                  </p:par>
+                </p:childTnLst>
+              </p:cTn>
+              <p:prevCondLst>
+                <p:cond evt="onPrev" delay="0">
+                  <p:tgtEl>
+                    <p:sldTgt/>
+                  </p:tgtEl>
+                </p:cond>
+              </p:prevCondLst>
+              <p:nextCondLst>
+                <p:cond evt="onNext" delay="0">
+                  <p:tgtEl>
+                    <p:sldTgt/>
+                  </p:tgtEl>
+                </p:cond>
+              </p:nextCondLst>
+            </p:seq>
+          </p:childTnLst>
+        </p:cTn>
+      </p:par>
+    </p:tnLst>
+    <p:bldLst>
+      <p:bldP spid="4" grpId="0" animBg="1"/>
+      <p:bldP spid="10" grpId="0" animBg="1"/>
+    </p:bldLst>
+  </p:timing>
 </p:sld>
 </file>
 
@@ -14576,12 +14864,12 @@
               </a:lnSpc>
             </a:pPr>
             <a:r>
-              <a:rPr lang="en-US" sz="6000">
+              <a:rPr lang="en-US" sz="6000" dirty="0">
                 <a:solidFill>
                   <a:srgbClr val="FFFFFF"/>
                 </a:solidFill>
               </a:rPr>
-              <a:t>Thank you!</a:t>
+              <a:t>Q&amp;A</a:t>
             </a:r>
           </a:p>
         </p:txBody>
@@ -19433,18 +19721,18 @@
 </file>
 
 <file path=customXml/item1.xml><?xml version="1.0" encoding="utf-8"?>
-<p:properties xmlns:p="http://schemas.microsoft.com/office/2006/metadata/properties" xmlns:xsi="http://www.w3.org/2001/XMLSchema-instance" xmlns:pc="http://schemas.microsoft.com/office/infopath/2007/PartnerControls">
-  <documentManagement/>
-</p:properties>
-</file>
-
-<file path=customXml/item2.xml><?xml version="1.0" encoding="utf-8"?>
 <?mso-contentType ?>
 <FormTemplates xmlns="http://schemas.microsoft.com/sharepoint/v3/contenttype/forms">
   <Display>DocumentLibraryForm</Display>
   <Edit>DocumentLibraryForm</Edit>
   <New>DocumentLibraryForm</New>
 </FormTemplates>
+</file>
+
+<file path=customXml/item2.xml><?xml version="1.0" encoding="utf-8"?>
+<p:properties xmlns:p="http://schemas.microsoft.com/office/2006/metadata/properties" xmlns:xsi="http://www.w3.org/2001/XMLSchema-instance" xmlns:pc="http://schemas.microsoft.com/office/infopath/2007/PartnerControls">
+  <documentManagement/>
+</p:properties>
 </file>
 
 <file path=customXml/item3.xml><?xml version="1.0" encoding="utf-8"?>
@@ -19632,25 +19920,25 @@
 </file>
 
 <file path=customXml/itemProps1.xml><?xml version="1.0" encoding="utf-8"?>
-<ds:datastoreItem xmlns:ds="http://schemas.openxmlformats.org/officeDocument/2006/customXml" ds:itemID="{A3D29A05-72E6-4F99-88B9-7A95D1A09BDF}">
+<ds:datastoreItem xmlns:ds="http://schemas.openxmlformats.org/officeDocument/2006/customXml" ds:itemID="{3904CAA2-17EE-4D1B-B452-69CC0BB5016B}">
   <ds:schemaRefs>
-    <ds:schemaRef ds:uri="e1016093-e49d-4fde-a266-0160fb5d213d"/>
-    <ds:schemaRef ds:uri="http://purl.org/dc/elements/1.1/"/>
-    <ds:schemaRef ds:uri="http://schemas.microsoft.com/office/2006/metadata/properties"/>
-    <ds:schemaRef ds:uri="http://schemas.microsoft.com/office/2006/documentManagement/types"/>
-    <ds:schemaRef ds:uri="http://purl.org/dc/terms/"/>
-    <ds:schemaRef ds:uri="http://schemas.openxmlformats.org/package/2006/metadata/core-properties"/>
-    <ds:schemaRef ds:uri="http://purl.org/dc/dcmitype/"/>
-    <ds:schemaRef ds:uri="http://schemas.microsoft.com/office/infopath/2007/PartnerControls"/>
-    <ds:schemaRef ds:uri="http://www.w3.org/XML/1998/namespace"/>
+    <ds:schemaRef ds:uri="http://schemas.microsoft.com/sharepoint/v3/contenttype/forms"/>
   </ds:schemaRefs>
 </ds:datastoreItem>
 </file>
 
 <file path=customXml/itemProps2.xml><?xml version="1.0" encoding="utf-8"?>
-<ds:datastoreItem xmlns:ds="http://schemas.openxmlformats.org/officeDocument/2006/customXml" ds:itemID="{3904CAA2-17EE-4D1B-B452-69CC0BB5016B}">
+<ds:datastoreItem xmlns:ds="http://schemas.openxmlformats.org/officeDocument/2006/customXml" ds:itemID="{A3D29A05-72E6-4F99-88B9-7A95D1A09BDF}">
   <ds:schemaRefs>
-    <ds:schemaRef ds:uri="http://schemas.microsoft.com/sharepoint/v3/contenttype/forms"/>
+    <ds:schemaRef ds:uri="http://purl.org/dc/dcmitype/"/>
+    <ds:schemaRef ds:uri="http://schemas.microsoft.com/office/infopath/2007/PartnerControls"/>
+    <ds:schemaRef ds:uri="http://schemas.microsoft.com/office/2006/documentManagement/types"/>
+    <ds:schemaRef ds:uri="http://purl.org/dc/elements/1.1/"/>
+    <ds:schemaRef ds:uri="http://schemas.microsoft.com/office/2006/metadata/properties"/>
+    <ds:schemaRef ds:uri="http://purl.org/dc/terms/"/>
+    <ds:schemaRef ds:uri="http://schemas.openxmlformats.org/package/2006/metadata/core-properties"/>
+    <ds:schemaRef ds:uri="e1016093-e49d-4fde-a266-0160fb5d213d"/>
+    <ds:schemaRef ds:uri="http://www.w3.org/XML/1998/namespace"/>
   </ds:schemaRefs>
 </ds:datastoreItem>
 </file>
